--- a/Model.pptx
+++ b/Model.pptx
@@ -4775,11 +4775,7 @@
             </a:pPr>
             <a:r>
               <a:rPr lang="ru-RU" sz="3200" dirty="0" smtClean="0"/>
-              <a:t>анализ </a:t>
-            </a:r>
-            <a:r>
-              <a:rPr lang="ru-RU" sz="3200" dirty="0" smtClean="0"/>
-              <a:t>существующих моделей </a:t>
+              <a:t>анализ существующих моделей </a:t>
             </a:r>
             <a:r>
               <a:rPr lang="ru-RU" sz="3200" dirty="0"/>
@@ -5076,7 +5072,19 @@
             </a:pPr>
             <a:r>
               <a:rPr lang="ru" sz="2667" dirty="0"/>
-              <a:t>Можно рассмотреть итеративный модель, но она недостаточно гибкая в сравнении с Agile.</a:t>
+              <a:t>Можно </a:t>
+            </a:r>
+            <a:r>
+              <a:rPr lang="ru" sz="2667"/>
+              <a:t>рассмотреть </a:t>
+            </a:r>
+            <a:r>
+              <a:rPr lang="ru" sz="2667" smtClean="0"/>
+              <a:t>итеративную </a:t>
+            </a:r>
+            <a:r>
+              <a:rPr lang="ru" sz="2667" dirty="0"/>
+              <a:t>модель, но она недостаточно гибкая в сравнении с Agile.</a:t>
             </a:r>
             <a:endParaRPr sz="2667" dirty="0"/>
           </a:p>
